--- a/doc/documentation_graphic/files/presentation/presentation.pptx
+++ b/doc/documentation_graphic/files/presentation/presentation.pptx
@@ -6,10 +6,10 @@
     <p:sldMasterId id="2147483660" r:id="rId5"/>
   </p:sldMasterIdLst>
   <p:notesMasterIdLst>
-    <p:notesMasterId r:id="rId18"/>
+    <p:notesMasterId r:id="rId23"/>
   </p:notesMasterIdLst>
   <p:handoutMasterIdLst>
-    <p:handoutMasterId r:id="rId19"/>
+    <p:handoutMasterId r:id="rId24"/>
   </p:handoutMasterIdLst>
   <p:sldIdLst>
     <p:sldId id="256" r:id="rId6"/>
@@ -20,10 +20,15 @@
     <p:sldId id="261" r:id="rId11"/>
     <p:sldId id="262" r:id="rId12"/>
     <p:sldId id="264" r:id="rId13"/>
-    <p:sldId id="265" r:id="rId14"/>
+    <p:sldId id="274" r:id="rId14"/>
     <p:sldId id="268" r:id="rId15"/>
-    <p:sldId id="266" r:id="rId16"/>
-    <p:sldId id="267" r:id="rId17"/>
+    <p:sldId id="276" r:id="rId16"/>
+    <p:sldId id="266" r:id="rId17"/>
+    <p:sldId id="275" r:id="rId18"/>
+    <p:sldId id="267" r:id="rId19"/>
+    <p:sldId id="270" r:id="rId20"/>
+    <p:sldId id="271" r:id="rId21"/>
+    <p:sldId id="272" r:id="rId22"/>
   </p:sldIdLst>
   <p:sldSz cx="9144000" cy="6858000" type="screen4x3"/>
   <p:notesSz cx="6669088" cy="9926638"/>
@@ -1046,7 +1051,7 @@
             </a:pPr>
             <a:fld id="{27ADA6A0-5165-49DF-B994-3944303806D3}" type="datetime1">
               <a:rPr lang="de-DE" smtClean="0"/>
-              <a:t>21.06.2015</a:t>
+              <a:t>25.06.2015</a:t>
             </a:fld>
             <a:endParaRPr lang="en-US" dirty="0"/>
           </a:p>
@@ -1449,7 +1454,7 @@
                 <a:buFontTx/>
                 <a:buNone/>
               </a:pPr>
-              <a:t>21.06.2015</a:t>
+              <a:t>25.06.2015</a:t>
             </a:fld>
             <a:endParaRPr lang="de-DE" dirty="0"/>
           </a:p>
@@ -1910,7 +1915,7 @@
                 <a:buFontTx/>
                 <a:buNone/>
               </a:pPr>
-              <a:t>21.06.2015</a:t>
+              <a:t>25.06.2015</a:t>
             </a:fld>
             <a:endParaRPr lang="de-DE" dirty="0"/>
           </a:p>
@@ -2071,7 +2076,7 @@
                 <a:buFontTx/>
                 <a:buNone/>
               </a:pPr>
-              <a:t>21.06.2015</a:t>
+              <a:t>25.06.2015</a:t>
             </a:fld>
             <a:endParaRPr lang="de-DE" dirty="0"/>
           </a:p>
@@ -2209,7 +2214,7 @@
                 <a:buFontTx/>
                 <a:buNone/>
               </a:pPr>
-              <a:t>21.06.2015</a:t>
+              <a:t>25.06.2015</a:t>
             </a:fld>
             <a:endParaRPr lang="de-DE" dirty="0"/>
           </a:p>
@@ -2557,7 +2562,7 @@
                 <a:buFontTx/>
                 <a:buNone/>
               </a:pPr>
-              <a:t>21.06.2015</a:t>
+              <a:t>25.06.2015</a:t>
             </a:fld>
             <a:endParaRPr lang="de-DE" dirty="0"/>
           </a:p>
@@ -2861,7 +2866,7 @@
                 <a:buFontTx/>
                 <a:buNone/>
               </a:pPr>
-              <a:t>21.06.2015</a:t>
+              <a:t>25.06.2015</a:t>
             </a:fld>
             <a:endParaRPr lang="de-DE" dirty="0"/>
           </a:p>
@@ -3049,7 +3054,7 @@
             </a:pPr>
             <a:fld id="{27ADA6A0-5165-49DF-B994-3944303806D3}" type="datetime1">
               <a:rPr lang="de-DE" smtClean="0"/>
-              <a:t>21.06.2015</a:t>
+              <a:t>25.06.2015</a:t>
             </a:fld>
             <a:endParaRPr lang="en-US" dirty="0"/>
           </a:p>
@@ -3206,7 +3211,7 @@
             </a:pPr>
             <a:fld id="{27ADA6A0-5165-49DF-B994-3944303806D3}" type="datetime1">
               <a:rPr lang="de-DE" smtClean="0"/>
-              <a:t>21.06.2015</a:t>
+              <a:t>25.06.2015</a:t>
             </a:fld>
             <a:endParaRPr lang="en-US" dirty="0"/>
           </a:p>
@@ -3433,7 +3438,7 @@
             </a:pPr>
             <a:fld id="{27ADA6A0-5165-49DF-B994-3944303806D3}" type="datetime1">
               <a:rPr lang="de-DE" smtClean="0"/>
-              <a:t>21.06.2015</a:t>
+              <a:t>25.06.2015</a:t>
             </a:fld>
             <a:endParaRPr lang="en-US" dirty="0"/>
           </a:p>
@@ -3756,7 +3761,7 @@
             </a:pPr>
             <a:fld id="{3DE78F69-5584-4C86-890E-30A43FEA5182}" type="datetime1">
               <a:rPr lang="de-DE" smtClean="0"/>
-              <a:t>21.06.2015</a:t>
+              <a:t>25.06.2015</a:t>
             </a:fld>
             <a:endParaRPr lang="en-US" dirty="0"/>
           </a:p>
@@ -3880,7 +3885,7 @@
             </a:pPr>
             <a:fld id="{27ADA6A0-5165-49DF-B994-3944303806D3}" type="datetime1">
               <a:rPr lang="de-DE" smtClean="0"/>
-              <a:t>21.06.2015</a:t>
+              <a:t>25.06.2015</a:t>
             </a:fld>
             <a:endParaRPr lang="en-US" dirty="0"/>
           </a:p>
@@ -4112,7 +4117,7 @@
                 <a:buFontTx/>
                 <a:buNone/>
               </a:pPr>
-              <a:t>21.06.2015</a:t>
+              <a:t>25.06.2015</a:t>
             </a:fld>
             <a:endParaRPr lang="de-DE" dirty="0"/>
           </a:p>
@@ -4338,7 +4343,7 @@
                 <a:buFontTx/>
                 <a:buNone/>
               </a:pPr>
-              <a:t>21.06.2015</a:t>
+              <a:t>25.06.2015</a:t>
             </a:fld>
             <a:endParaRPr lang="de-DE" dirty="0"/>
           </a:p>
@@ -4653,7 +4658,7 @@
             </a:pPr>
             <a:fld id="{27ADA6A0-5165-49DF-B994-3944303806D3}" type="datetime1">
               <a:rPr lang="de-DE" smtClean="0"/>
-              <a:t>21.06.2015</a:t>
+              <a:t>25.06.2015</a:t>
             </a:fld>
             <a:endParaRPr lang="en-US" dirty="0"/>
           </a:p>
@@ -5578,7 +5583,7 @@
                 <a:buFontTx/>
                 <a:buNone/>
               </a:pPr>
-              <a:t>21.06.2015</a:t>
+              <a:t>25.06.2015</a:t>
             </a:fld>
             <a:endParaRPr lang="de-DE" dirty="0"/>
           </a:p>
@@ -6163,7 +6168,7 @@
             </a:pPr>
             <a:fld id="{27ADA6A0-5165-49DF-B994-3944303806D3}" type="datetime1">
               <a:rPr lang="de-DE" smtClean="0"/>
-              <a:t>21.06.2015</a:t>
+              <a:t>25.06.2015</a:t>
             </a:fld>
             <a:endParaRPr lang="en-US" dirty="0"/>
           </a:p>
@@ -6361,14 +6366,38 @@
             <p:ph idx="1"/>
           </p:nvPr>
         </p:nvSpPr>
-        <p:spPr/>
+        <p:spPr>
+          <a:xfrm>
+            <a:off x="323850" y="1052736"/>
+            <a:ext cx="8712646" cy="5328592"/>
+          </a:xfrm>
+        </p:spPr>
         <p:txBody>
           <a:bodyPr/>
           <a:lstStyle/>
           <a:p>
             <a:r>
-              <a:rPr lang="de-DE" dirty="0" smtClean="0"/>
-              <a:t>Search Space</a:t>
+              <a:rPr lang="de-DE" dirty="0" err="1" smtClean="0"/>
+              <a:t>Optimization</a:t>
+            </a:r>
+            <a:r>
+              <a:rPr lang="de-DE" dirty="0" smtClean="0"/>
+              <a:t> </a:t>
+            </a:r>
+            <a:r>
+              <a:rPr lang="de-DE" dirty="0" err="1" smtClean="0"/>
+              <a:t>task</a:t>
+            </a:r>
+            <a:endParaRPr lang="de-DE" dirty="0" smtClean="0"/>
+          </a:p>
+          <a:p>
+            <a:r>
+              <a:rPr lang="de-DE" dirty="0" smtClean="0"/>
+              <a:t>Search </a:t>
+            </a:r>
+            <a:r>
+              <a:rPr lang="de-DE" dirty="0" smtClean="0"/>
+              <a:t>Space</a:t>
             </a:r>
           </a:p>
           <a:p>
@@ -6542,21 +6571,46 @@
           <a:p>
             <a:pPr lvl="1"/>
             <a:r>
-              <a:rPr lang="de-DE" dirty="0" err="1" smtClean="0"/>
-              <a:t>No</a:t>
-            </a:r>
-            <a:r>
-              <a:rPr lang="de-DE" dirty="0" smtClean="0"/>
-              <a:t>-</a:t>
-            </a:r>
-            <a:r>
-              <a:rPr lang="de-DE" dirty="0" err="1" smtClean="0"/>
-              <a:t>free</a:t>
-            </a:r>
-            <a:r>
-              <a:rPr lang="de-DE" dirty="0" smtClean="0"/>
-              <a:t>-lunch-theorem</a:t>
-            </a:r>
+              <a:rPr lang="de-DE" dirty="0" smtClean="0"/>
+              <a:t>In </a:t>
+            </a:r>
+            <a:r>
+              <a:rPr lang="de-DE" dirty="0" err="1" smtClean="0"/>
+              <a:t>general</a:t>
+            </a:r>
+            <a:r>
+              <a:rPr lang="de-DE" dirty="0" smtClean="0"/>
+              <a:t> all </a:t>
+            </a:r>
+            <a:r>
+              <a:rPr lang="de-DE" dirty="0" err="1" smtClean="0"/>
+              <a:t>algorithms</a:t>
+            </a:r>
+            <a:r>
+              <a:rPr lang="de-DE" dirty="0" smtClean="0"/>
+              <a:t> </a:t>
+            </a:r>
+            <a:r>
+              <a:rPr lang="de-DE" dirty="0" err="1" smtClean="0"/>
+              <a:t>are</a:t>
+            </a:r>
+            <a:r>
+              <a:rPr lang="de-DE" dirty="0" smtClean="0"/>
+              <a:t> </a:t>
+            </a:r>
+            <a:r>
+              <a:rPr lang="de-DE" dirty="0" err="1" smtClean="0"/>
+              <a:t>equal</a:t>
+            </a:r>
+            <a:r>
+              <a:rPr lang="de-DE" dirty="0" smtClean="0"/>
+              <a:t> in </a:t>
+            </a:r>
+            <a:r>
+              <a:rPr lang="de-DE" dirty="0" err="1" smtClean="0"/>
+              <a:t>effectivness</a:t>
+            </a:r>
+            <a:endParaRPr lang="de-DE" dirty="0" smtClean="0"/>
           </a:p>
           <a:p>
             <a:pPr lvl="1"/>
@@ -6658,19 +6712,7 @@
             </a:r>
             <a:r>
               <a:rPr lang="de-DE" dirty="0" smtClean="0"/>
-              <a:t> – The </a:t>
-            </a:r>
-            <a:r>
-              <a:rPr lang="de-DE" dirty="0" err="1" smtClean="0"/>
-              <a:t>Hillclimber</a:t>
-            </a:r>
-            <a:r>
-              <a:rPr lang="de-DE" dirty="0" smtClean="0"/>
-              <a:t> </a:t>
-            </a:r>
-            <a:r>
-              <a:rPr lang="de-DE" dirty="0" err="1" smtClean="0"/>
-              <a:t>method</a:t>
+              <a:t> - Basics</a:t>
             </a:r>
             <a:endParaRPr lang="de-DE" dirty="0"/>
           </a:p>
@@ -6686,91 +6728,19 @@
             <p:ph idx="1"/>
           </p:nvPr>
         </p:nvSpPr>
-        <p:spPr/>
+        <p:spPr>
+          <a:xfrm>
+            <a:off x="323850" y="1052736"/>
+            <a:ext cx="8712646" cy="5328592"/>
+          </a:xfrm>
+        </p:spPr>
         <p:txBody>
           <a:bodyPr/>
           <a:lstStyle/>
           <a:p>
             <a:r>
-              <a:rPr lang="de-DE" dirty="0" smtClean="0"/>
-              <a:t>Also </a:t>
-            </a:r>
-            <a:r>
-              <a:rPr lang="de-DE" dirty="0" err="1" smtClean="0"/>
-              <a:t>called</a:t>
-            </a:r>
-            <a:r>
-              <a:rPr lang="de-DE" dirty="0" smtClean="0"/>
-              <a:t>: “</a:t>
-            </a:r>
-            <a:r>
-              <a:rPr lang="de-DE" dirty="0" err="1" smtClean="0"/>
-              <a:t>Creepy</a:t>
-            </a:r>
-            <a:r>
-              <a:rPr lang="de-DE" dirty="0" smtClean="0"/>
-              <a:t> </a:t>
-            </a:r>
-            <a:r>
-              <a:rPr lang="de-DE" dirty="0" err="1" smtClean="0"/>
-              <a:t>random</a:t>
-            </a:r>
-            <a:r>
-              <a:rPr lang="de-DE" dirty="0" smtClean="0"/>
-              <a:t> </a:t>
-            </a:r>
-            <a:r>
-              <a:rPr lang="de-DE" dirty="0" err="1" smtClean="0"/>
-              <a:t>search</a:t>
-            </a:r>
-            <a:r>
-              <a:rPr lang="de-DE" dirty="0" smtClean="0"/>
-              <a:t>“</a:t>
-            </a:r>
-          </a:p>
-          <a:p>
-            <a:r>
-              <a:rPr lang="de-DE" dirty="0" smtClean="0"/>
-              <a:t>Easy </a:t>
-            </a:r>
-            <a:r>
-              <a:rPr lang="de-DE" dirty="0" err="1" smtClean="0"/>
-              <a:t>implementation</a:t>
-            </a:r>
-            <a:endParaRPr lang="de-DE" dirty="0" smtClean="0"/>
-          </a:p>
-          <a:p>
-            <a:r>
-              <a:rPr lang="de-DE" dirty="0" smtClean="0"/>
-              <a:t>Main </a:t>
-            </a:r>
-            <a:r>
-              <a:rPr lang="de-DE" dirty="0" err="1" smtClean="0"/>
-              <a:t>issue</a:t>
-            </a:r>
-            <a:r>
-              <a:rPr lang="de-DE" dirty="0" smtClean="0"/>
-              <a:t>: </a:t>
-            </a:r>
-            <a:r>
-              <a:rPr lang="de-DE" dirty="0" err="1" smtClean="0"/>
-              <a:t>Gets</a:t>
-            </a:r>
-            <a:r>
-              <a:rPr lang="de-DE" dirty="0" smtClean="0"/>
-              <a:t> stuck in </a:t>
-            </a:r>
-            <a:r>
-              <a:rPr lang="de-DE" dirty="0" err="1" smtClean="0"/>
-              <a:t>local</a:t>
-            </a:r>
-            <a:r>
-              <a:rPr lang="de-DE" dirty="0" smtClean="0"/>
-              <a:t> </a:t>
-            </a:r>
-            <a:r>
-              <a:rPr lang="de-DE" dirty="0" err="1" smtClean="0"/>
-              <a:t>optimum</a:t>
+              <a:rPr lang="de-DE" dirty="0" err="1" smtClean="0"/>
+              <a:t>Chromosome</a:t>
             </a:r>
             <a:endParaRPr lang="de-DE" dirty="0" smtClean="0"/>
           </a:p>
@@ -6779,7 +6749,7 @@
     </p:spTree>
     <p:extLst>
       <p:ext uri="{BB962C8B-B14F-4D97-AF65-F5344CB8AC3E}">
-        <p14:creationId xmlns:p14="http://schemas.microsoft.com/office/powerpoint/2010/main" val="4167943058"/>
+        <p14:creationId xmlns:p14="http://schemas.microsoft.com/office/powerpoint/2010/main" val="562559341"/>
       </p:ext>
     </p:extLst>
   </p:cSld>
@@ -6842,19 +6812,19 @@
             </a:r>
             <a:r>
               <a:rPr lang="de-DE" dirty="0" smtClean="0"/>
-              <a:t> – </a:t>
-            </a:r>
-            <a:r>
-              <a:rPr lang="de-DE" dirty="0" err="1" smtClean="0"/>
-              <a:t>Simulated</a:t>
-            </a:r>
-            <a:r>
-              <a:rPr lang="de-DE" dirty="0" smtClean="0"/>
-              <a:t> </a:t>
-            </a:r>
-            <a:r>
-              <a:rPr lang="de-DE" dirty="0" err="1" smtClean="0"/>
-              <a:t>annealing</a:t>
+              <a:t> – The </a:t>
+            </a:r>
+            <a:r>
+              <a:rPr lang="de-DE" dirty="0" err="1" smtClean="0"/>
+              <a:t>Hillclimber</a:t>
+            </a:r>
+            <a:r>
+              <a:rPr lang="de-DE" dirty="0" smtClean="0"/>
+              <a:t> </a:t>
+            </a:r>
+            <a:r>
+              <a:rPr lang="de-DE" dirty="0" err="1" smtClean="0"/>
+              <a:t>method</a:t>
             </a:r>
             <a:endParaRPr lang="de-DE" dirty="0"/>
           </a:p>
@@ -6876,6 +6846,401 @@
           <a:lstStyle/>
           <a:p>
             <a:r>
+              <a:rPr lang="en-US" dirty="0" smtClean="0"/>
+              <a:t>1.Generate </a:t>
+            </a:r>
+            <a:r>
+              <a:rPr lang="en-US" dirty="0"/>
+              <a:t>a randomly initialized chromosome.</a:t>
+            </a:r>
+          </a:p>
+          <a:p>
+            <a:r>
+              <a:rPr lang="en-US" dirty="0" smtClean="0"/>
+              <a:t>2.Change </a:t>
+            </a:r>
+            <a:r>
+              <a:rPr lang="en-US" dirty="0"/>
+              <a:t>the chromosome parameter by limited random delta-values.</a:t>
+            </a:r>
+          </a:p>
+          <a:p>
+            <a:r>
+              <a:rPr lang="en-US" dirty="0"/>
+              <a:t>3. Prove if the chromosome has a better fitness than the old one and replace it. Otherwise</a:t>
+            </a:r>
+          </a:p>
+          <a:p>
+            <a:r>
+              <a:rPr lang="de-DE" dirty="0" err="1"/>
+              <a:t>refuse</a:t>
+            </a:r>
+            <a:r>
+              <a:rPr lang="de-DE" dirty="0"/>
+              <a:t> </a:t>
+            </a:r>
+            <a:r>
+              <a:rPr lang="de-DE" dirty="0" err="1"/>
+              <a:t>the</a:t>
+            </a:r>
+            <a:r>
+              <a:rPr lang="de-DE" dirty="0"/>
+              <a:t> </a:t>
+            </a:r>
+            <a:r>
+              <a:rPr lang="de-DE" dirty="0" err="1"/>
+              <a:t>new</a:t>
+            </a:r>
+            <a:r>
+              <a:rPr lang="de-DE" dirty="0"/>
+              <a:t> </a:t>
+            </a:r>
+            <a:r>
+              <a:rPr lang="de-DE" dirty="0" err="1"/>
+              <a:t>chromosome</a:t>
+            </a:r>
+            <a:r>
+              <a:rPr lang="de-DE" dirty="0"/>
+              <a:t>.</a:t>
+            </a:r>
+          </a:p>
+          <a:p>
+            <a:r>
+              <a:rPr lang="en-US" dirty="0"/>
+              <a:t>4. If the optimization-condition is reached abort, otherwise go to step 2.</a:t>
+            </a:r>
+            <a:endParaRPr lang="de-DE" dirty="0" smtClean="0"/>
+          </a:p>
+        </p:txBody>
+      </p:sp>
+    </p:spTree>
+    <p:extLst>
+      <p:ext uri="{BB962C8B-B14F-4D97-AF65-F5344CB8AC3E}">
+        <p14:creationId xmlns:p14="http://schemas.microsoft.com/office/powerpoint/2010/main" val="4167943058"/>
+      </p:ext>
+    </p:extLst>
+  </p:cSld>
+  <p:clrMapOvr>
+    <a:masterClrMapping/>
+  </p:clrMapOvr>
+  <p:timing>
+    <p:tnLst>
+      <p:par>
+        <p:cTn id="1" dur="indefinite" restart="never" nodeType="tmRoot"/>
+      </p:par>
+    </p:tnLst>
+  </p:timing>
+</p:sld>
+</file>
+
+<file path=ppt/slides/slide13.xml><?xml version="1.0" encoding="utf-8"?>
+<p:sld xmlns:a="http://schemas.openxmlformats.org/drawingml/2006/main" xmlns:r="http://schemas.openxmlformats.org/officeDocument/2006/relationships" xmlns:p="http://schemas.openxmlformats.org/presentationml/2006/main">
+  <p:cSld>
+    <p:spTree>
+      <p:nvGrpSpPr>
+        <p:cNvPr id="1" name=""/>
+        <p:cNvGrpSpPr/>
+        <p:nvPr/>
+      </p:nvGrpSpPr>
+      <p:grpSpPr>
+        <a:xfrm>
+          <a:off x="0" y="0"/>
+          <a:ext cx="0" cy="0"/>
+          <a:chOff x="0" y="0"/>
+          <a:chExt cx="0" cy="0"/>
+        </a:xfrm>
+      </p:grpSpPr>
+      <p:sp>
+        <p:nvSpPr>
+          <p:cNvPr id="2" name="Titel 1"/>
+          <p:cNvSpPr>
+            <a:spLocks noGrp="1"/>
+          </p:cNvSpPr>
+          <p:nvPr>
+            <p:ph type="title"/>
+          </p:nvPr>
+        </p:nvSpPr>
+        <p:spPr/>
+        <p:txBody>
+          <a:bodyPr/>
+          <a:lstStyle/>
+          <a:p>
+            <a:r>
+              <a:rPr lang="de-DE" dirty="0" err="1" smtClean="0"/>
+              <a:t>Evolutionary</a:t>
+            </a:r>
+            <a:r>
+              <a:rPr lang="de-DE" dirty="0" smtClean="0"/>
+              <a:t> </a:t>
+            </a:r>
+            <a:r>
+              <a:rPr lang="de-DE" dirty="0" err="1" smtClean="0"/>
+              <a:t>Algorithms</a:t>
+            </a:r>
+            <a:r>
+              <a:rPr lang="de-DE" dirty="0" smtClean="0"/>
+              <a:t> – The </a:t>
+            </a:r>
+            <a:r>
+              <a:rPr lang="de-DE" dirty="0" err="1" smtClean="0"/>
+              <a:t>Hillclimber</a:t>
+            </a:r>
+            <a:r>
+              <a:rPr lang="de-DE" dirty="0" smtClean="0"/>
+              <a:t> </a:t>
+            </a:r>
+            <a:r>
+              <a:rPr lang="de-DE" dirty="0" err="1" smtClean="0"/>
+              <a:t>method</a:t>
+            </a:r>
+            <a:endParaRPr lang="de-DE" dirty="0"/>
+          </a:p>
+        </p:txBody>
+      </p:sp>
+      <p:sp>
+        <p:nvSpPr>
+          <p:cNvPr id="3" name="Inhaltsplatzhalter 2"/>
+          <p:cNvSpPr>
+            <a:spLocks noGrp="1"/>
+          </p:cNvSpPr>
+          <p:nvPr>
+            <p:ph idx="1"/>
+          </p:nvPr>
+        </p:nvSpPr>
+        <p:spPr/>
+        <p:txBody>
+          <a:bodyPr/>
+          <a:lstStyle/>
+          <a:p>
+            <a:r>
+              <a:rPr lang="de-DE" dirty="0" smtClean="0"/>
+              <a:t>Easy </a:t>
+            </a:r>
+            <a:r>
+              <a:rPr lang="de-DE" dirty="0" err="1" smtClean="0"/>
+              <a:t>implementation</a:t>
+            </a:r>
+            <a:endParaRPr lang="de-DE" dirty="0" smtClean="0"/>
+          </a:p>
+          <a:p>
+            <a:r>
+              <a:rPr lang="de-DE" dirty="0" smtClean="0"/>
+              <a:t>Main </a:t>
+            </a:r>
+            <a:r>
+              <a:rPr lang="de-DE" dirty="0" err="1" smtClean="0"/>
+              <a:t>issue</a:t>
+            </a:r>
+            <a:r>
+              <a:rPr lang="de-DE" dirty="0" smtClean="0"/>
+              <a:t>: </a:t>
+            </a:r>
+            <a:r>
+              <a:rPr lang="de-DE" dirty="0" err="1" smtClean="0"/>
+              <a:t>Gets</a:t>
+            </a:r>
+            <a:r>
+              <a:rPr lang="de-DE" dirty="0" smtClean="0"/>
+              <a:t> stuck in </a:t>
+            </a:r>
+            <a:r>
+              <a:rPr lang="de-DE" dirty="0" err="1" smtClean="0"/>
+              <a:t>local</a:t>
+            </a:r>
+            <a:r>
+              <a:rPr lang="de-DE" dirty="0" smtClean="0"/>
+              <a:t> </a:t>
+            </a:r>
+            <a:r>
+              <a:rPr lang="de-DE" dirty="0" err="1" smtClean="0"/>
+              <a:t>optimum</a:t>
+            </a:r>
+            <a:endParaRPr lang="de-DE" dirty="0" smtClean="0"/>
+          </a:p>
+        </p:txBody>
+      </p:sp>
+      <p:pic>
+        <p:nvPicPr>
+          <p:cNvPr id="2050" name="Picture 2" descr="C:\Users\Daniel\Documents\GitHub\neural_networks\doc\documentation_graphic\files\Hill_climb.png"/>
+          <p:cNvPicPr>
+            <a:picLocks noChangeAspect="1" noChangeArrowheads="1"/>
+          </p:cNvPicPr>
+          <p:nvPr/>
+        </p:nvPicPr>
+        <p:blipFill>
+          <a:blip r:embed="rId2">
+            <a:extLst>
+              <a:ext uri="{28A0092B-C50C-407E-A947-70E740481C1C}">
+                <a14:useLocalDpi xmlns:a14="http://schemas.microsoft.com/office/drawing/2010/main" val="0"/>
+              </a:ext>
+            </a:extLst>
+          </a:blip>
+          <a:srcRect/>
+          <a:stretch>
+            <a:fillRect/>
+          </a:stretch>
+        </p:blipFill>
+        <p:spPr bwMode="auto">
+          <a:xfrm>
+            <a:off x="323528" y="3072722"/>
+            <a:ext cx="3888432" cy="1887589"/>
+          </a:xfrm>
+          <a:prstGeom prst="rect">
+            <a:avLst/>
+          </a:prstGeom>
+          <a:noFill/>
+          <a:extLst>
+            <a:ext uri="{909E8E84-426E-40DD-AFC4-6F175D3DCCD1}">
+              <a14:hiddenFill xmlns:a14="http://schemas.microsoft.com/office/drawing/2010/main">
+                <a:solidFill>
+                  <a:srgbClr val="FFFFFF"/>
+                </a:solidFill>
+              </a14:hiddenFill>
+            </a:ext>
+          </a:extLst>
+        </p:spPr>
+      </p:pic>
+      <p:pic>
+        <p:nvPicPr>
+          <p:cNvPr id="2051" name="Picture 3" descr="C:\Users\Daniel\Documents\GitHub\neural_networks\doc\documentation_graphic\files\Local_maximum.png"/>
+          <p:cNvPicPr>
+            <a:picLocks noChangeAspect="1" noChangeArrowheads="1"/>
+          </p:cNvPicPr>
+          <p:nvPr/>
+        </p:nvPicPr>
+        <p:blipFill>
+          <a:blip r:embed="rId3">
+            <a:extLst>
+              <a:ext uri="{28A0092B-C50C-407E-A947-70E740481C1C}">
+                <a14:useLocalDpi xmlns:a14="http://schemas.microsoft.com/office/drawing/2010/main" val="0"/>
+              </a:ext>
+            </a:extLst>
+          </a:blip>
+          <a:srcRect/>
+          <a:stretch>
+            <a:fillRect/>
+          </a:stretch>
+        </p:blipFill>
+        <p:spPr bwMode="auto">
+          <a:xfrm>
+            <a:off x="4788024" y="2917336"/>
+            <a:ext cx="3967663" cy="2018636"/>
+          </a:xfrm>
+          <a:prstGeom prst="rect">
+            <a:avLst/>
+          </a:prstGeom>
+          <a:noFill/>
+          <a:extLst>
+            <a:ext uri="{909E8E84-426E-40DD-AFC4-6F175D3DCCD1}">
+              <a14:hiddenFill xmlns:a14="http://schemas.microsoft.com/office/drawing/2010/main">
+                <a:solidFill>
+                  <a:srgbClr val="FFFFFF"/>
+                </a:solidFill>
+              </a14:hiddenFill>
+            </a:ext>
+          </a:extLst>
+        </p:spPr>
+      </p:pic>
+    </p:spTree>
+    <p:extLst>
+      <p:ext uri="{BB962C8B-B14F-4D97-AF65-F5344CB8AC3E}">
+        <p14:creationId xmlns:p14="http://schemas.microsoft.com/office/powerpoint/2010/main" val="728690440"/>
+      </p:ext>
+    </p:extLst>
+  </p:cSld>
+  <p:clrMapOvr>
+    <a:masterClrMapping/>
+  </p:clrMapOvr>
+  <p:timing>
+    <p:tnLst>
+      <p:par>
+        <p:cTn id="1" dur="indefinite" restart="never" nodeType="tmRoot"/>
+      </p:par>
+    </p:tnLst>
+  </p:timing>
+</p:sld>
+</file>
+
+<file path=ppt/slides/slide14.xml><?xml version="1.0" encoding="utf-8"?>
+<p:sld xmlns:a="http://schemas.openxmlformats.org/drawingml/2006/main" xmlns:r="http://schemas.openxmlformats.org/officeDocument/2006/relationships" xmlns:p="http://schemas.openxmlformats.org/presentationml/2006/main">
+  <p:cSld>
+    <p:spTree>
+      <p:nvGrpSpPr>
+        <p:cNvPr id="1" name=""/>
+        <p:cNvGrpSpPr/>
+        <p:nvPr/>
+      </p:nvGrpSpPr>
+      <p:grpSpPr>
+        <a:xfrm>
+          <a:off x="0" y="0"/>
+          <a:ext cx="0" cy="0"/>
+          <a:chOff x="0" y="0"/>
+          <a:chExt cx="0" cy="0"/>
+        </a:xfrm>
+      </p:grpSpPr>
+      <p:sp>
+        <p:nvSpPr>
+          <p:cNvPr id="2" name="Titel 1"/>
+          <p:cNvSpPr>
+            <a:spLocks noGrp="1"/>
+          </p:cNvSpPr>
+          <p:nvPr>
+            <p:ph type="title"/>
+          </p:nvPr>
+        </p:nvSpPr>
+        <p:spPr/>
+        <p:txBody>
+          <a:bodyPr/>
+          <a:lstStyle/>
+          <a:p>
+            <a:r>
+              <a:rPr lang="de-DE" dirty="0" err="1" smtClean="0"/>
+              <a:t>Evolutionary</a:t>
+            </a:r>
+            <a:r>
+              <a:rPr lang="de-DE" dirty="0" smtClean="0"/>
+              <a:t> </a:t>
+            </a:r>
+            <a:r>
+              <a:rPr lang="de-DE" dirty="0" err="1" smtClean="0"/>
+              <a:t>Algorithms</a:t>
+            </a:r>
+            <a:r>
+              <a:rPr lang="de-DE" dirty="0" smtClean="0"/>
+              <a:t> – </a:t>
+            </a:r>
+            <a:r>
+              <a:rPr lang="de-DE" dirty="0" err="1" smtClean="0"/>
+              <a:t>Simulated</a:t>
+            </a:r>
+            <a:r>
+              <a:rPr lang="de-DE" dirty="0" smtClean="0"/>
+              <a:t> </a:t>
+            </a:r>
+            <a:r>
+              <a:rPr lang="de-DE" dirty="0" err="1" smtClean="0"/>
+              <a:t>annealing</a:t>
+            </a:r>
+            <a:endParaRPr lang="de-DE" dirty="0"/>
+          </a:p>
+        </p:txBody>
+      </p:sp>
+      <p:sp>
+        <p:nvSpPr>
+          <p:cNvPr id="3" name="Inhaltsplatzhalter 2"/>
+          <p:cNvSpPr>
+            <a:spLocks noGrp="1"/>
+          </p:cNvSpPr>
+          <p:nvPr>
+            <p:ph idx="1"/>
+          </p:nvPr>
+        </p:nvSpPr>
+        <p:spPr/>
+        <p:txBody>
+          <a:bodyPr/>
+          <a:lstStyle/>
+          <a:p>
+            <a:r>
               <a:rPr lang="de-DE" dirty="0" smtClean="0"/>
               <a:t>Variation </a:t>
             </a:r>
@@ -7059,7 +7424,7 @@
             </a:r>
             <a:r>
               <a:rPr lang="de-DE" dirty="0" smtClean="0"/>
-              <a:t> a </a:t>
+              <a:t> an </a:t>
             </a:r>
             <a:r>
               <a:rPr lang="de-DE" dirty="0" err="1" smtClean="0"/>
@@ -7096,10 +7461,510 @@
           </a:p>
         </p:txBody>
       </p:sp>
+      <p:pic>
+        <p:nvPicPr>
+          <p:cNvPr id="3076" name="Picture 4" descr="C:\Users\Daniel\Documents\GitHub\neural_networks\doc\documentation_graphic\files\presentation\Hill_Climbing_with_Simulated_Annealing.gif"/>
+          <p:cNvPicPr>
+            <a:picLocks noChangeAspect="1" noChangeArrowheads="1" noCrop="1"/>
+          </p:cNvPicPr>
+          <p:nvPr/>
+        </p:nvPicPr>
+        <p:blipFill>
+          <a:blip r:embed="rId2">
+            <a:extLst>
+              <a:ext uri="{28A0092B-C50C-407E-A947-70E740481C1C}">
+                <a14:useLocalDpi xmlns:a14="http://schemas.microsoft.com/office/drawing/2010/main" val="0"/>
+              </a:ext>
+            </a:extLst>
+          </a:blip>
+          <a:srcRect/>
+          <a:stretch>
+            <a:fillRect/>
+          </a:stretch>
+        </p:blipFill>
+        <p:spPr bwMode="auto">
+          <a:xfrm>
+            <a:off x="1115616" y="3933056"/>
+            <a:ext cx="6708820" cy="2160240"/>
+          </a:xfrm>
+          <a:prstGeom prst="rect">
+            <a:avLst/>
+          </a:prstGeom>
+          <a:noFill/>
+          <a:extLst>
+            <a:ext uri="{909E8E84-426E-40DD-AFC4-6F175D3DCCD1}">
+              <a14:hiddenFill xmlns:a14="http://schemas.microsoft.com/office/drawing/2010/main">
+                <a:solidFill>
+                  <a:srgbClr val="FFFFFF"/>
+                </a:solidFill>
+              </a14:hiddenFill>
+            </a:ext>
+          </a:extLst>
+        </p:spPr>
+      </p:pic>
     </p:spTree>
     <p:extLst>
       <p:ext uri="{BB962C8B-B14F-4D97-AF65-F5344CB8AC3E}">
         <p14:creationId xmlns:p14="http://schemas.microsoft.com/office/powerpoint/2010/main" val="4277845239"/>
+      </p:ext>
+    </p:extLst>
+  </p:cSld>
+  <p:clrMapOvr>
+    <a:masterClrMapping/>
+  </p:clrMapOvr>
+  <p:timing>
+    <p:tnLst>
+      <p:par>
+        <p:cTn id="1" dur="indefinite" restart="never" nodeType="tmRoot"/>
+      </p:par>
+    </p:tnLst>
+  </p:timing>
+</p:sld>
+</file>
+
+<file path=ppt/slides/slide15.xml><?xml version="1.0" encoding="utf-8"?>
+<p:sld xmlns:a="http://schemas.openxmlformats.org/drawingml/2006/main" xmlns:r="http://schemas.openxmlformats.org/officeDocument/2006/relationships" xmlns:p="http://schemas.openxmlformats.org/presentationml/2006/main">
+  <p:cSld>
+    <p:spTree>
+      <p:nvGrpSpPr>
+        <p:cNvPr id="1" name=""/>
+        <p:cNvGrpSpPr/>
+        <p:nvPr/>
+      </p:nvGrpSpPr>
+      <p:grpSpPr>
+        <a:xfrm>
+          <a:off x="0" y="0"/>
+          <a:ext cx="0" cy="0"/>
+          <a:chOff x="0" y="0"/>
+          <a:chExt cx="0" cy="0"/>
+        </a:xfrm>
+      </p:grpSpPr>
+      <p:sp>
+        <p:nvSpPr>
+          <p:cNvPr id="2" name="Titel 1"/>
+          <p:cNvSpPr>
+            <a:spLocks noGrp="1"/>
+          </p:cNvSpPr>
+          <p:nvPr>
+            <p:ph type="title"/>
+          </p:nvPr>
+        </p:nvSpPr>
+        <p:spPr/>
+        <p:txBody>
+          <a:bodyPr/>
+          <a:lstStyle/>
+          <a:p>
+            <a:r>
+              <a:rPr lang="de-DE" dirty="0" smtClean="0"/>
+              <a:t>The Box2D </a:t>
+            </a:r>
+            <a:r>
+              <a:rPr lang="de-DE" dirty="0" err="1" smtClean="0"/>
+              <a:t>physics-engine</a:t>
+            </a:r>
+            <a:endParaRPr lang="de-DE" dirty="0"/>
+          </a:p>
+        </p:txBody>
+      </p:sp>
+      <p:sp>
+        <p:nvSpPr>
+          <p:cNvPr id="3" name="Inhaltsplatzhalter 2"/>
+          <p:cNvSpPr>
+            <a:spLocks noGrp="1"/>
+          </p:cNvSpPr>
+          <p:nvPr>
+            <p:ph idx="1"/>
+          </p:nvPr>
+        </p:nvSpPr>
+        <p:spPr/>
+        <p:txBody>
+          <a:bodyPr/>
+          <a:lstStyle/>
+          <a:p>
+            <a:endParaRPr lang="de-DE" dirty="0"/>
+          </a:p>
+        </p:txBody>
+      </p:sp>
+    </p:spTree>
+    <p:extLst>
+      <p:ext uri="{BB962C8B-B14F-4D97-AF65-F5344CB8AC3E}">
+        <p14:creationId xmlns:p14="http://schemas.microsoft.com/office/powerpoint/2010/main" val="3759051364"/>
+      </p:ext>
+    </p:extLst>
+  </p:cSld>
+  <p:clrMapOvr>
+    <a:masterClrMapping/>
+  </p:clrMapOvr>
+  <p:timing>
+    <p:tnLst>
+      <p:par>
+        <p:cTn id="1" dur="indefinite" restart="never" nodeType="tmRoot"/>
+      </p:par>
+    </p:tnLst>
+  </p:timing>
+</p:sld>
+</file>
+
+<file path=ppt/slides/slide16.xml><?xml version="1.0" encoding="utf-8"?>
+<p:sld xmlns:a="http://schemas.openxmlformats.org/drawingml/2006/main" xmlns:r="http://schemas.openxmlformats.org/officeDocument/2006/relationships" xmlns:p="http://schemas.openxmlformats.org/presentationml/2006/main">
+  <p:cSld>
+    <p:spTree>
+      <p:nvGrpSpPr>
+        <p:cNvPr id="1" name=""/>
+        <p:cNvGrpSpPr/>
+        <p:nvPr/>
+      </p:nvGrpSpPr>
+      <p:grpSpPr>
+        <a:xfrm>
+          <a:off x="0" y="0"/>
+          <a:ext cx="0" cy="0"/>
+          <a:chOff x="0" y="0"/>
+          <a:chExt cx="0" cy="0"/>
+        </a:xfrm>
+      </p:grpSpPr>
+      <p:sp>
+        <p:nvSpPr>
+          <p:cNvPr id="2" name="Titel 1"/>
+          <p:cNvSpPr>
+            <a:spLocks noGrp="1"/>
+          </p:cNvSpPr>
+          <p:nvPr>
+            <p:ph type="title"/>
+          </p:nvPr>
+        </p:nvSpPr>
+        <p:spPr/>
+        <p:txBody>
+          <a:bodyPr/>
+          <a:lstStyle/>
+          <a:p>
+            <a:r>
+              <a:rPr lang="de-DE" dirty="0" smtClean="0"/>
+              <a:t>The </a:t>
+            </a:r>
+            <a:r>
+              <a:rPr lang="de-DE" dirty="0" err="1" smtClean="0"/>
+              <a:t>simulator</a:t>
+            </a:r>
+            <a:endParaRPr lang="de-DE" dirty="0"/>
+          </a:p>
+        </p:txBody>
+      </p:sp>
+      <p:sp>
+        <p:nvSpPr>
+          <p:cNvPr id="3" name="Inhaltsplatzhalter 2"/>
+          <p:cNvSpPr>
+            <a:spLocks noGrp="1"/>
+          </p:cNvSpPr>
+          <p:nvPr>
+            <p:ph idx="1"/>
+          </p:nvPr>
+        </p:nvSpPr>
+        <p:spPr/>
+        <p:txBody>
+          <a:bodyPr/>
+          <a:lstStyle/>
+          <a:p>
+            <a:r>
+              <a:rPr lang="de-DE" dirty="0" err="1" smtClean="0"/>
+              <a:t>Uses</a:t>
+            </a:r>
+            <a:r>
+              <a:rPr lang="de-DE" dirty="0" smtClean="0"/>
+              <a:t> OpenGL </a:t>
+            </a:r>
+            <a:r>
+              <a:rPr lang="de-DE" dirty="0" err="1" smtClean="0"/>
+              <a:t>to</a:t>
+            </a:r>
+            <a:r>
+              <a:rPr lang="de-DE" dirty="0" smtClean="0"/>
+              <a:t> </a:t>
+            </a:r>
+            <a:r>
+              <a:rPr lang="de-DE" dirty="0" err="1" smtClean="0"/>
+              <a:t>accelerate</a:t>
+            </a:r>
+            <a:r>
+              <a:rPr lang="de-DE" dirty="0" smtClean="0"/>
+              <a:t> </a:t>
+            </a:r>
+            <a:r>
+              <a:rPr lang="de-DE" dirty="0" err="1" smtClean="0"/>
+              <a:t>graphics</a:t>
+            </a:r>
+            <a:endParaRPr lang="de-DE" dirty="0" smtClean="0"/>
+          </a:p>
+          <a:p>
+            <a:pPr lvl="1"/>
+            <a:r>
+              <a:rPr lang="de-DE" dirty="0" smtClean="0"/>
+              <a:t>GLUT </a:t>
+            </a:r>
+            <a:r>
+              <a:rPr lang="de-DE" dirty="0" err="1" smtClean="0"/>
+              <a:t>and</a:t>
+            </a:r>
+            <a:r>
+              <a:rPr lang="de-DE" dirty="0" smtClean="0"/>
+              <a:t> GLUI</a:t>
+            </a:r>
+          </a:p>
+          <a:p>
+            <a:r>
+              <a:rPr lang="de-DE" dirty="0" err="1" smtClean="0"/>
+              <a:t>Based</a:t>
+            </a:r>
+            <a:r>
+              <a:rPr lang="de-DE" dirty="0" smtClean="0"/>
+              <a:t> on Box2D </a:t>
+            </a:r>
+            <a:r>
+              <a:rPr lang="de-DE" dirty="0" err="1" smtClean="0"/>
+              <a:t>Testbed-program</a:t>
+            </a:r>
+            <a:r>
+              <a:rPr lang="de-DE" dirty="0" smtClean="0"/>
+              <a:t> </a:t>
+            </a:r>
+            <a:r>
+              <a:rPr lang="de-DE" dirty="0" err="1" smtClean="0"/>
+              <a:t>of</a:t>
+            </a:r>
+            <a:r>
+              <a:rPr lang="de-DE" dirty="0" smtClean="0"/>
+              <a:t> Erin </a:t>
+            </a:r>
+            <a:r>
+              <a:rPr lang="de-DE" dirty="0" err="1" smtClean="0"/>
+              <a:t>Catto</a:t>
+            </a:r>
+            <a:endParaRPr lang="de-DE" dirty="0" smtClean="0"/>
+          </a:p>
+        </p:txBody>
+      </p:sp>
+      <p:pic>
+        <p:nvPicPr>
+          <p:cNvPr id="1026" name="Picture 2" descr="C:\Users\Daniel\Documents\GitHub\neural_networks\doc\documentation_graphic\files\new_graphic.png"/>
+          <p:cNvPicPr>
+            <a:picLocks noChangeAspect="1" noChangeArrowheads="1"/>
+          </p:cNvPicPr>
+          <p:nvPr/>
+        </p:nvPicPr>
+        <p:blipFill>
+          <a:blip r:embed="rId2" cstate="print">
+            <a:extLst>
+              <a:ext uri="{28A0092B-C50C-407E-A947-70E740481C1C}">
+                <a14:useLocalDpi xmlns:a14="http://schemas.microsoft.com/office/drawing/2010/main" val="0"/>
+              </a:ext>
+            </a:extLst>
+          </a:blip>
+          <a:srcRect/>
+          <a:stretch>
+            <a:fillRect/>
+          </a:stretch>
+        </p:blipFill>
+        <p:spPr bwMode="auto">
+          <a:xfrm>
+            <a:off x="5148064" y="3056384"/>
+            <a:ext cx="3414839" cy="2475758"/>
+          </a:xfrm>
+          <a:prstGeom prst="rect">
+            <a:avLst/>
+          </a:prstGeom>
+          <a:noFill/>
+          <a:extLst>
+            <a:ext uri="{909E8E84-426E-40DD-AFC4-6F175D3DCCD1}">
+              <a14:hiddenFill xmlns:a14="http://schemas.microsoft.com/office/drawing/2010/main">
+                <a:solidFill>
+                  <a:srgbClr val="FFFFFF"/>
+                </a:solidFill>
+              </a14:hiddenFill>
+            </a:ext>
+          </a:extLst>
+        </p:spPr>
+      </p:pic>
+      <p:pic>
+        <p:nvPicPr>
+          <p:cNvPr id="1027" name="Picture 3" descr="C:\Users\Daniel\Documents\GitHub\neural_networks\doc\documentation_graphic\files\testbed.png"/>
+          <p:cNvPicPr>
+            <a:picLocks noChangeAspect="1" noChangeArrowheads="1"/>
+          </p:cNvPicPr>
+          <p:nvPr/>
+        </p:nvPicPr>
+        <p:blipFill>
+          <a:blip r:embed="rId3">
+            <a:extLst>
+              <a:ext uri="{28A0092B-C50C-407E-A947-70E740481C1C}">
+                <a14:useLocalDpi xmlns:a14="http://schemas.microsoft.com/office/drawing/2010/main" val="0"/>
+              </a:ext>
+            </a:extLst>
+          </a:blip>
+          <a:srcRect/>
+          <a:stretch>
+            <a:fillRect/>
+          </a:stretch>
+        </p:blipFill>
+        <p:spPr bwMode="auto">
+          <a:xfrm>
+            <a:off x="251519" y="3026776"/>
+            <a:ext cx="3480821" cy="2475758"/>
+          </a:xfrm>
+          <a:prstGeom prst="rect">
+            <a:avLst/>
+          </a:prstGeom>
+          <a:noFill/>
+          <a:extLst>
+            <a:ext uri="{909E8E84-426E-40DD-AFC4-6F175D3DCCD1}">
+              <a14:hiddenFill xmlns:a14="http://schemas.microsoft.com/office/drawing/2010/main">
+                <a:solidFill>
+                  <a:srgbClr val="FFFFFF"/>
+                </a:solidFill>
+              </a14:hiddenFill>
+            </a:ext>
+          </a:extLst>
+        </p:spPr>
+      </p:pic>
+      <p:cxnSp>
+        <p:nvCxnSpPr>
+          <p:cNvPr id="7" name="Gerade Verbindung mit Pfeil 6"/>
+          <p:cNvCxnSpPr/>
+          <p:nvPr/>
+        </p:nvCxnSpPr>
+        <p:spPr bwMode="auto">
+          <a:xfrm>
+            <a:off x="3923928" y="4294263"/>
+            <a:ext cx="1008000" cy="0"/>
+          </a:xfrm>
+          <a:prstGeom prst="straightConnector1">
+            <a:avLst/>
+          </a:prstGeom>
+          <a:noFill/>
+          <a:ln w="22225" cap="flat" cmpd="sng" algn="ctr">
+            <a:solidFill>
+              <a:schemeClr val="tx1"/>
+            </a:solidFill>
+            <a:prstDash val="solid"/>
+            <a:round/>
+            <a:headEnd type="none" w="med" len="med"/>
+            <a:tailEnd type="arrow"/>
+          </a:ln>
+          <a:effectLst/>
+        </p:spPr>
+      </p:cxnSp>
+    </p:spTree>
+    <p:extLst>
+      <p:ext uri="{BB962C8B-B14F-4D97-AF65-F5344CB8AC3E}">
+        <p14:creationId xmlns:p14="http://schemas.microsoft.com/office/powerpoint/2010/main" val="4052050043"/>
+      </p:ext>
+    </p:extLst>
+  </p:cSld>
+  <p:clrMapOvr>
+    <a:masterClrMapping/>
+  </p:clrMapOvr>
+  <p:timing>
+    <p:tnLst>
+      <p:par>
+        <p:cTn id="1" dur="indefinite" restart="never" nodeType="tmRoot"/>
+      </p:par>
+    </p:tnLst>
+  </p:timing>
+</p:sld>
+</file>
+
+<file path=ppt/slides/slide17.xml><?xml version="1.0" encoding="utf-8"?>
+<p:sld xmlns:a="http://schemas.openxmlformats.org/drawingml/2006/main" xmlns:r="http://schemas.openxmlformats.org/officeDocument/2006/relationships" xmlns:p="http://schemas.openxmlformats.org/presentationml/2006/main">
+  <p:cSld>
+    <p:spTree>
+      <p:nvGrpSpPr>
+        <p:cNvPr id="1" name=""/>
+        <p:cNvGrpSpPr/>
+        <p:nvPr/>
+      </p:nvGrpSpPr>
+      <p:grpSpPr>
+        <a:xfrm>
+          <a:off x="0" y="0"/>
+          <a:ext cx="0" cy="0"/>
+          <a:chOff x="0" y="0"/>
+          <a:chExt cx="0" cy="0"/>
+        </a:xfrm>
+      </p:grpSpPr>
+      <p:sp>
+        <p:nvSpPr>
+          <p:cNvPr id="2" name="Titel 1"/>
+          <p:cNvSpPr>
+            <a:spLocks noGrp="1"/>
+          </p:cNvSpPr>
+          <p:nvPr>
+            <p:ph type="title"/>
+          </p:nvPr>
+        </p:nvSpPr>
+        <p:spPr/>
+        <p:txBody>
+          <a:bodyPr/>
+          <a:lstStyle/>
+          <a:p>
+            <a:r>
+              <a:rPr lang="de-DE" dirty="0" smtClean="0"/>
+              <a:t>The </a:t>
+            </a:r>
+            <a:r>
+              <a:rPr lang="de-DE" dirty="0" err="1" smtClean="0"/>
+              <a:t>simulator</a:t>
+            </a:r>
+            <a:r>
+              <a:rPr lang="de-DE" dirty="0" smtClean="0"/>
+              <a:t> - </a:t>
+            </a:r>
+            <a:endParaRPr lang="de-DE" dirty="0"/>
+          </a:p>
+        </p:txBody>
+      </p:sp>
+      <p:sp>
+        <p:nvSpPr>
+          <p:cNvPr id="3" name="Inhaltsplatzhalter 2"/>
+          <p:cNvSpPr>
+            <a:spLocks noGrp="1"/>
+          </p:cNvSpPr>
+          <p:nvPr>
+            <p:ph idx="1"/>
+          </p:nvPr>
+        </p:nvSpPr>
+        <p:spPr/>
+        <p:txBody>
+          <a:bodyPr/>
+          <a:lstStyle/>
+          <a:p>
+            <a:r>
+              <a:rPr lang="de-DE" dirty="0" smtClean="0"/>
+              <a:t>Simple Reflex </a:t>
+            </a:r>
+            <a:r>
+              <a:rPr lang="de-DE" dirty="0" err="1" smtClean="0"/>
+              <a:t>Agents</a:t>
+            </a:r>
+            <a:endParaRPr lang="de-DE" dirty="0" smtClean="0"/>
+          </a:p>
+          <a:p>
+            <a:pPr lvl="1"/>
+            <a:r>
+              <a:rPr lang="de-DE" dirty="0" smtClean="0"/>
+              <a:t>Feed Forward </a:t>
+            </a:r>
+            <a:r>
+              <a:rPr lang="de-DE" dirty="0" err="1" smtClean="0"/>
+              <a:t>network</a:t>
+            </a:r>
+            <a:endParaRPr lang="de-DE" dirty="0"/>
+          </a:p>
+          <a:p>
+            <a:endParaRPr lang="de-DE" dirty="0" smtClean="0"/>
+          </a:p>
+        </p:txBody>
+      </p:sp>
+    </p:spTree>
+    <p:extLst>
+      <p:ext uri="{BB962C8B-B14F-4D97-AF65-F5344CB8AC3E}">
+        <p14:creationId xmlns:p14="http://schemas.microsoft.com/office/powerpoint/2010/main" val="2645417019"/>
       </p:ext>
     </p:extLst>
   </p:cSld>
@@ -7237,12 +8102,6 @@
           </a:p>
           <a:p>
             <a:r>
-              <a:rPr lang="de-DE" dirty="0"/>
-              <a:t>OpenGL</a:t>
-            </a:r>
-          </a:p>
-          <a:p>
-            <a:r>
               <a:rPr lang="de-DE" dirty="0" smtClean="0"/>
               <a:t>The Box2D </a:t>
             </a:r>
@@ -7300,7 +8159,7 @@
             </a:pPr>
             <a:fld id="{27ADA6A0-5165-49DF-B994-3944303806D3}" type="datetime1">
               <a:rPr lang="de-DE" smtClean="0"/>
-              <a:t>21.06.2015</a:t>
+              <a:t>25.06.2015</a:t>
             </a:fld>
             <a:endParaRPr lang="en-US" dirty="0"/>
           </a:p>
@@ -7617,7 +8476,7 @@
                 <a:buFontTx/>
                 <a:buNone/>
               </a:pPr>
-              <a:t>21.06.2015</a:t>
+              <a:t>25.06.2015</a:t>
             </a:fld>
             <a:endParaRPr lang="de-DE" dirty="0"/>
           </a:p>
@@ -8928,15 +9787,19 @@
             </a:r>
             <a:r>
               <a:rPr lang="de-DE" dirty="0" err="1" smtClean="0"/>
-              <a:t>vs</a:t>
-            </a:r>
-            <a:r>
-              <a:rPr lang="de-DE" dirty="0" smtClean="0"/>
-              <a:t> </a:t>
-            </a:r>
-            <a:r>
-              <a:rPr lang="de-DE" dirty="0" err="1" smtClean="0"/>
-              <a:t>Partially</a:t>
+              <a:t>or</a:t>
+            </a:r>
+            <a:r>
+              <a:rPr lang="de-DE" dirty="0" smtClean="0"/>
+              <a:t> </a:t>
+            </a:r>
+            <a:r>
+              <a:rPr lang="de-DE" dirty="0" err="1"/>
+              <a:t>p</a:t>
+            </a:r>
+            <a:r>
+              <a:rPr lang="de-DE" dirty="0" err="1" smtClean="0"/>
+              <a:t>artially</a:t>
             </a:r>
             <a:r>
               <a:rPr lang="de-DE" dirty="0" smtClean="0"/>
@@ -8952,15 +9815,19 @@
             </a:r>
             <a:r>
               <a:rPr lang="de-DE" dirty="0" err="1" smtClean="0"/>
-              <a:t>vs</a:t>
-            </a:r>
-            <a:r>
-              <a:rPr lang="de-DE" dirty="0" smtClean="0"/>
-              <a:t> </a:t>
-            </a:r>
-            <a:r>
-              <a:rPr lang="de-DE" dirty="0" err="1" smtClean="0"/>
-              <a:t>Unobservable</a:t>
+              <a:t>or</a:t>
+            </a:r>
+            <a:r>
+              <a:rPr lang="de-DE" dirty="0" smtClean="0"/>
+              <a:t> </a:t>
+            </a:r>
+            <a:r>
+              <a:rPr lang="de-DE" dirty="0" err="1"/>
+              <a:t>u</a:t>
+            </a:r>
+            <a:r>
+              <a:rPr lang="de-DE" dirty="0" err="1" smtClean="0"/>
+              <a:t>nobservable</a:t>
             </a:r>
             <a:endParaRPr lang="de-DE" dirty="0" smtClean="0"/>
           </a:p>
@@ -8979,15 +9846,15 @@
             </a:r>
             <a:r>
               <a:rPr lang="de-DE" dirty="0" err="1" smtClean="0"/>
-              <a:t>vs</a:t>
-            </a:r>
-            <a:r>
-              <a:rPr lang="de-DE" dirty="0" smtClean="0"/>
-              <a:t> </a:t>
-            </a:r>
-            <a:r>
-              <a:rPr lang="de-DE" dirty="0" err="1" smtClean="0"/>
-              <a:t>Mulitagent-based</a:t>
+              <a:t>or</a:t>
+            </a:r>
+            <a:r>
+              <a:rPr lang="de-DE" dirty="0" smtClean="0"/>
+              <a:t> </a:t>
+            </a:r>
+            <a:r>
+              <a:rPr lang="de-DE" dirty="0" err="1" smtClean="0"/>
+              <a:t>mulitagent-based</a:t>
             </a:r>
             <a:endParaRPr lang="de-DE" dirty="0" smtClean="0"/>
           </a:p>
@@ -9017,16 +9884,20 @@
           </a:p>
           <a:p>
             <a:r>
-              <a:rPr lang="de-DE" dirty="0" err="1" smtClean="0"/>
-              <a:t>Deterministic</a:t>
-            </a:r>
-            <a:r>
-              <a:rPr lang="de-DE" dirty="0" smtClean="0"/>
-              <a:t> </a:t>
-            </a:r>
-            <a:r>
-              <a:rPr lang="de-DE" dirty="0" err="1" smtClean="0"/>
-              <a:t>vs</a:t>
+              <a:rPr lang="de-DE" dirty="0" err="1"/>
+              <a:t>d</a:t>
+            </a:r>
+            <a:r>
+              <a:rPr lang="de-DE" dirty="0" err="1" smtClean="0"/>
+              <a:t>eterministic</a:t>
+            </a:r>
+            <a:r>
+              <a:rPr lang="de-DE" dirty="0" smtClean="0"/>
+              <a:t> </a:t>
+            </a:r>
+            <a:r>
+              <a:rPr lang="de-DE" dirty="0" err="1" smtClean="0"/>
+              <a:t>or</a:t>
             </a:r>
             <a:r>
               <a:rPr lang="de-DE" dirty="0" smtClean="0"/>
@@ -9036,22 +9907,6 @@
               <a:rPr lang="de-DE" dirty="0" err="1" smtClean="0"/>
               <a:t>stochastic</a:t>
             </a:r>
-            <a:r>
-              <a:rPr lang="de-DE" dirty="0" smtClean="0"/>
-              <a:t> </a:t>
-            </a:r>
-            <a:r>
-              <a:rPr lang="de-DE" dirty="0" err="1" smtClean="0"/>
-              <a:t>vs</a:t>
-            </a:r>
-            <a:r>
-              <a:rPr lang="de-DE" dirty="0" smtClean="0"/>
-              <a:t> non-</a:t>
-            </a:r>
-            <a:r>
-              <a:rPr lang="de-DE" dirty="0" err="1" smtClean="0"/>
-              <a:t>deterministic</a:t>
-            </a:r>
             <a:endParaRPr lang="de-DE" dirty="0" smtClean="0"/>
           </a:p>
           <a:p>
@@ -9065,7 +9920,7 @@
             </a:r>
             <a:r>
               <a:rPr lang="de-DE" dirty="0" err="1" smtClean="0"/>
-              <a:t>vs</a:t>
+              <a:t>or</a:t>
             </a:r>
             <a:r>
               <a:rPr lang="de-DE" dirty="0" smtClean="0"/>
@@ -9088,7 +9943,7 @@
             </a:r>
             <a:r>
               <a:rPr lang="de-DE" dirty="0" err="1" smtClean="0"/>
-              <a:t>vs</a:t>
+              <a:t>or</a:t>
             </a:r>
             <a:r>
               <a:rPr lang="de-DE" dirty="0" smtClean="0"/>
@@ -9098,26 +9953,30 @@
               <a:rPr lang="de-DE" dirty="0" err="1" smtClean="0"/>
               <a:t>dynamic</a:t>
             </a:r>
-            <a:r>
-              <a:rPr lang="de-DE" dirty="0" smtClean="0"/>
-              <a:t> </a:t>
-            </a:r>
-            <a:r>
-              <a:rPr lang="de-DE" dirty="0" err="1" smtClean="0"/>
-              <a:t>vs</a:t>
-            </a:r>
-            <a:r>
-              <a:rPr lang="de-DE" dirty="0" smtClean="0"/>
-              <a:t> </a:t>
-            </a:r>
-            <a:r>
-              <a:rPr lang="de-DE" dirty="0" err="1" smtClean="0"/>
-              <a:t>semidynamically</a:t>
-            </a:r>
-            <a:endParaRPr lang="de-DE" smtClean="0"/>
-          </a:p>
-          <a:p>
-            <a:endParaRPr lang="de-DE" dirty="0"/>
+            <a:endParaRPr lang="de-DE" dirty="0" smtClean="0"/>
+          </a:p>
+          <a:p>
+            <a:r>
+              <a:rPr lang="de-DE" dirty="0" err="1" smtClean="0"/>
+              <a:t>Known</a:t>
+            </a:r>
+            <a:r>
+              <a:rPr lang="de-DE" dirty="0" smtClean="0"/>
+              <a:t> </a:t>
+            </a:r>
+            <a:r>
+              <a:rPr lang="de-DE" dirty="0" err="1" smtClean="0"/>
+              <a:t>or</a:t>
+            </a:r>
+            <a:r>
+              <a:rPr lang="de-DE" dirty="0" smtClean="0"/>
+              <a:t> </a:t>
+            </a:r>
+            <a:r>
+              <a:rPr lang="de-DE" dirty="0" err="1" smtClean="0"/>
+              <a:t>unknown</a:t>
+            </a:r>
+            <a:endParaRPr lang="de-DE" dirty="0" smtClean="0"/>
           </a:p>
         </p:txBody>
       </p:sp>
@@ -9376,7 +10235,30 @@
             </a:r>
             <a:r>
               <a:rPr lang="de-DE" dirty="0" smtClean="0"/>
-              <a:t> expensive</a:t>
+              <a:t> </a:t>
+            </a:r>
+            <a:r>
+              <a:rPr lang="de-DE" dirty="0" smtClean="0"/>
+              <a:t>expensive</a:t>
+            </a:r>
+          </a:p>
+          <a:p>
+            <a:pPr lvl="1"/>
+            <a:r>
+              <a:rPr lang="de-DE" dirty="0" err="1" smtClean="0"/>
+              <a:t>Todays</a:t>
+            </a:r>
+            <a:r>
+              <a:rPr lang="de-DE" dirty="0" smtClean="0"/>
+              <a:t> </a:t>
+            </a:r>
+            <a:r>
+              <a:rPr lang="de-DE" dirty="0" err="1" smtClean="0"/>
+              <a:t>computation</a:t>
+            </a:r>
+            <a:r>
+              <a:rPr lang="de-DE" dirty="0" smtClean="0"/>
+              <a:t> power</a:t>
             </a:r>
             <a:endParaRPr lang="de-DE" dirty="0" smtClean="0"/>
           </a:p>
@@ -9414,6 +10296,9 @@
               <a:rPr lang="de-DE" dirty="0" err="1" smtClean="0"/>
               <a:t>necessary</a:t>
             </a:r>
+            <a:endParaRPr lang="de-DE" dirty="0" smtClean="0"/>
+          </a:p>
+          <a:p>
             <a:endParaRPr lang="de-DE" dirty="0"/>
           </a:p>
           <a:p>
@@ -9424,7 +10309,7 @@
     </p:spTree>
     <p:extLst>
       <p:ext uri="{BB962C8B-B14F-4D97-AF65-F5344CB8AC3E}">
-        <p14:creationId xmlns:p14="http://schemas.microsoft.com/office/powerpoint/2010/main" val="1183222618"/>
+        <p14:creationId xmlns:p14="http://schemas.microsoft.com/office/powerpoint/2010/main" val="2654252343"/>
       </p:ext>
     </p:extLst>
   </p:cSld>
